--- a/materials/presentations/Big data.pptx
+++ b/materials/presentations/Big data.pptx
@@ -115,6 +115,11 @@
       </a:defRPr>
     </a:lvl9pPr>
   </p:defaultTextStyle>
+  <p:extLst>
+    <p:ext uri="{EFAFB233-063F-42B5-8137-9DF3F51BA10A}">
+      <p15:sldGuideLst xmlns:p15="http://schemas.microsoft.com/office/powerpoint/2012/main"/>
+    </p:ext>
+  </p:extLst>
 </p:presentation>
 </file>
 
@@ -310,7 +315,7 @@
             <a:fld id="{B61BEF0D-F0BB-DE4B-95CE-6DB70DBA9567}" type="datetimeFigureOut">
               <a:rPr lang="en-US" dirty="0"/>
               <a:pPr/>
-              <a:t>11/28/2019</a:t>
+              <a:t>12/2/2021</a:t>
             </a:fld>
             <a:endParaRPr lang="en-US" dirty="0"/>
           </a:p>
@@ -743,7 +748,7 @@
             <a:fld id="{B61BEF0D-F0BB-DE4B-95CE-6DB70DBA9567}" type="datetimeFigureOut">
               <a:rPr lang="en-US" dirty="0"/>
               <a:pPr/>
-              <a:t>11/28/2019</a:t>
+              <a:t>12/2/2021</a:t>
             </a:fld>
             <a:endParaRPr lang="en-US" dirty="0"/>
           </a:p>
@@ -990,7 +995,7 @@
             <a:fld id="{B61BEF0D-F0BB-DE4B-95CE-6DB70DBA9567}" type="datetimeFigureOut">
               <a:rPr lang="en-US" dirty="0"/>
               <a:pPr/>
-              <a:t>11/28/2019</a:t>
+              <a:t>12/2/2021</a:t>
             </a:fld>
             <a:endParaRPr lang="en-US" dirty="0"/>
           </a:p>
@@ -1295,7 +1300,7 @@
             <a:fld id="{B61BEF0D-F0BB-DE4B-95CE-6DB70DBA9567}" type="datetimeFigureOut">
               <a:rPr lang="en-US" dirty="0"/>
               <a:pPr/>
-              <a:t>11/28/2019</a:t>
+              <a:t>12/2/2021</a:t>
             </a:fld>
             <a:endParaRPr lang="en-US" dirty="0"/>
           </a:p>
@@ -1610,7 +1615,7 @@
             <a:fld id="{B61BEF0D-F0BB-DE4B-95CE-6DB70DBA9567}" type="datetimeFigureOut">
               <a:rPr lang="en-US" dirty="0"/>
               <a:pPr/>
-              <a:t>11/28/2019</a:t>
+              <a:t>12/2/2021</a:t>
             </a:fld>
             <a:endParaRPr lang="en-US" dirty="0"/>
           </a:p>
@@ -1909,7 +1914,7 @@
             <a:fld id="{B61BEF0D-F0BB-DE4B-95CE-6DB70DBA9567}" type="datetimeFigureOut">
               <a:rPr lang="en-US" dirty="0"/>
               <a:pPr/>
-              <a:t>11/28/2019</a:t>
+              <a:t>12/2/2021</a:t>
             </a:fld>
             <a:endParaRPr lang="en-US" dirty="0"/>
           </a:p>
@@ -2273,7 +2278,7 @@
             <a:fld id="{B61BEF0D-F0BB-DE4B-95CE-6DB70DBA9567}" type="datetimeFigureOut">
               <a:rPr lang="en-US" dirty="0"/>
               <a:pPr/>
-              <a:t>11/28/2019</a:t>
+              <a:t>12/2/2021</a:t>
             </a:fld>
             <a:endParaRPr lang="en-US" dirty="0"/>
           </a:p>
@@ -2444,7 +2449,7 @@
             <a:fld id="{B61BEF0D-F0BB-DE4B-95CE-6DB70DBA9567}" type="datetimeFigureOut">
               <a:rPr lang="en-US" dirty="0"/>
               <a:pPr/>
-              <a:t>11/28/2019</a:t>
+              <a:t>12/2/2021</a:t>
             </a:fld>
             <a:endParaRPr lang="en-US" dirty="0"/>
           </a:p>
@@ -2621,7 +2626,7 @@
             <a:fld id="{B61BEF0D-F0BB-DE4B-95CE-6DB70DBA9567}" type="datetimeFigureOut">
               <a:rPr lang="en-US" dirty="0"/>
               <a:pPr/>
-              <a:t>11/28/2019</a:t>
+              <a:t>12/2/2021</a:t>
             </a:fld>
             <a:endParaRPr lang="en-US" dirty="0"/>
           </a:p>
@@ -2788,7 +2793,7 @@
             <a:fld id="{B61BEF0D-F0BB-DE4B-95CE-6DB70DBA9567}" type="datetimeFigureOut">
               <a:rPr lang="en-US" dirty="0"/>
               <a:pPr/>
-              <a:t>11/28/2019</a:t>
+              <a:t>12/2/2021</a:t>
             </a:fld>
             <a:endParaRPr lang="en-US" dirty="0"/>
           </a:p>
@@ -3035,7 +3040,7 @@
             <a:fld id="{B61BEF0D-F0BB-DE4B-95CE-6DB70DBA9567}" type="datetimeFigureOut">
               <a:rPr lang="en-US" dirty="0"/>
               <a:pPr/>
-              <a:t>11/28/2019</a:t>
+              <a:t>12/2/2021</a:t>
             </a:fld>
             <a:endParaRPr lang="en-US" dirty="0"/>
           </a:p>
@@ -3268,7 +3273,7 @@
             <a:fld id="{B61BEF0D-F0BB-DE4B-95CE-6DB70DBA9567}" type="datetimeFigureOut">
               <a:rPr lang="en-US" dirty="0"/>
               <a:pPr/>
-              <a:t>11/28/2019</a:t>
+              <a:t>12/2/2021</a:t>
             </a:fld>
             <a:endParaRPr lang="en-US" dirty="0"/>
           </a:p>
@@ -3647,7 +3652,7 @@
             <a:fld id="{B61BEF0D-F0BB-DE4B-95CE-6DB70DBA9567}" type="datetimeFigureOut">
               <a:rPr lang="en-US" dirty="0"/>
               <a:pPr/>
-              <a:t>11/28/2019</a:t>
+              <a:t>12/2/2021</a:t>
             </a:fld>
             <a:endParaRPr lang="en-US" dirty="0"/>
           </a:p>
@@ -3762,7 +3767,7 @@
             <a:fld id="{B61BEF0D-F0BB-DE4B-95CE-6DB70DBA9567}" type="datetimeFigureOut">
               <a:rPr lang="en-US" dirty="0"/>
               <a:pPr/>
-              <a:t>11/28/2019</a:t>
+              <a:t>12/2/2021</a:t>
             </a:fld>
             <a:endParaRPr lang="en-US" dirty="0"/>
           </a:p>
@@ -3854,7 +3859,7 @@
             <a:fld id="{B61BEF0D-F0BB-DE4B-95CE-6DB70DBA9567}" type="datetimeFigureOut">
               <a:rPr lang="en-US" dirty="0"/>
               <a:pPr/>
-              <a:t>11/28/2019</a:t>
+              <a:t>12/2/2021</a:t>
             </a:fld>
             <a:endParaRPr lang="en-US" dirty="0"/>
           </a:p>
@@ -4106,7 +4111,7 @@
             <a:fld id="{B61BEF0D-F0BB-DE4B-95CE-6DB70DBA9567}" type="datetimeFigureOut">
               <a:rPr lang="en-US" dirty="0"/>
               <a:pPr/>
-              <a:t>11/28/2019</a:t>
+              <a:t>12/2/2021</a:t>
             </a:fld>
             <a:endParaRPr lang="en-US" dirty="0"/>
           </a:p>
@@ -4386,7 +4391,7 @@
             <a:fld id="{B61BEF0D-F0BB-DE4B-95CE-6DB70DBA9567}" type="datetimeFigureOut">
               <a:rPr lang="en-US" dirty="0"/>
               <a:pPr/>
-              <a:t>11/28/2019</a:t>
+              <a:t>12/2/2021</a:t>
             </a:fld>
             <a:endParaRPr lang="en-US" dirty="0"/>
           </a:p>
@@ -4789,7 +4794,7 @@
             <a:fld id="{B61BEF0D-F0BB-DE4B-95CE-6DB70DBA9567}" type="datetimeFigureOut">
               <a:rPr lang="en-US" dirty="0"/>
               <a:pPr/>
-              <a:t>11/28/2019</a:t>
+              <a:t>12/2/2021</a:t>
             </a:fld>
             <a:endParaRPr lang="en-US" dirty="0"/>
           </a:p>
@@ -5366,7 +5371,9 @@
         </p:nvSpPr>
         <p:spPr/>
         <p:txBody>
-          <a:bodyPr/>
+          <a:bodyPr>
+            <a:normAutofit fontScale="92500" lnSpcReduction="10000"/>
+          </a:bodyPr>
           <a:lstStyle/>
           <a:p>
             <a:r>
@@ -5388,6 +5395,41 @@
               </a:rPr>
               <a:t>Autor: Bartłomiej Parowicz</a:t>
             </a:r>
+            <a:br>
+              <a:rPr lang="en-US" dirty="0">
+                <a:solidFill>
+                  <a:schemeClr val="tx1"/>
+                </a:solidFill>
+              </a:rPr>
+            </a:br>
+            <a:endParaRPr lang="en-US" dirty="0">
+              <a:solidFill>
+                <a:schemeClr val="tx1"/>
+              </a:solidFill>
+            </a:endParaRPr>
+          </a:p>
+          <a:p>
+            <a:r>
+              <a:rPr lang="en-US" dirty="0" err="1">
+                <a:solidFill>
+                  <a:schemeClr val="tx1"/>
+                </a:solidFill>
+              </a:rPr>
+              <a:t>Prowadzący</a:t>
+            </a:r>
+            <a:r>
+              <a:rPr lang="en-US" dirty="0">
+                <a:solidFill>
+                  <a:schemeClr val="tx1"/>
+                </a:solidFill>
+              </a:rPr>
+              <a:t>: Aleksander Buczek</a:t>
+            </a:r>
+            <a:endParaRPr lang="pl-PL" dirty="0">
+              <a:solidFill>
+                <a:schemeClr val="tx1"/>
+              </a:solidFill>
+            </a:endParaRPr>
           </a:p>
           <a:p>
             <a:r>
@@ -5396,7 +5438,23 @@
                   <a:schemeClr val="tx1"/>
                 </a:solidFill>
               </a:rPr>
-              <a:t>Kontakt: bartlomiej.parowicz@wroclaw.wsb.pl</a:t>
+              <a:t>Kontakt: </a:t>
+            </a:r>
+            <a:r>
+              <a:rPr lang="en-US" dirty="0" err="1">
+                <a:solidFill>
+                  <a:schemeClr val="tx1"/>
+                </a:solidFill>
+              </a:rPr>
+              <a:t>aleksander.buczek</a:t>
+            </a:r>
+            <a:r>
+              <a:rPr lang="pl-PL" dirty="0">
+                <a:solidFill>
+                  <a:schemeClr val="tx1"/>
+                </a:solidFill>
+              </a:rPr>
+              <a:t>@wroclaw.wsb.pl</a:t>
             </a:r>
           </a:p>
         </p:txBody>
